--- a/IGCC_TeamD.pptx
+++ b/IGCC_TeamD.pptx
@@ -5,13 +5,14 @@
     <p:sldMasterId id="2147483648" r:id="rId1"/>
   </p:sldMasterIdLst>
   <p:notesMasterIdLst>
-    <p:notesMasterId r:id="rId6"/>
+    <p:notesMasterId r:id="rId7"/>
   </p:notesMasterIdLst>
   <p:sldIdLst>
     <p:sldId id="256" r:id="rId2"/>
     <p:sldId id="257" r:id="rId3"/>
     <p:sldId id="258" r:id="rId4"/>
     <p:sldId id="259" r:id="rId5"/>
+    <p:sldId id="260" r:id="rId6"/>
   </p:sldIdLst>
   <p:sldSz cx="12192000" cy="6858000"/>
   <p:notesSz cx="6858000" cy="9144000"/>
@@ -110,6 +111,11 @@
       </a:defRPr>
     </a:lvl9pPr>
   </p:defaultTextStyle>
+  <p:extLst>
+    <p:ext uri="{EFAFB233-063F-42B5-8137-9DF3F51BA10A}">
+      <p15:sldGuideLst xmlns:p15="http://schemas.microsoft.com/office/powerpoint/2012/main"/>
+    </p:ext>
+  </p:extLst>
 </p:presentation>
 </file>
 
@@ -195,7 +201,7 @@
           <a:p>
             <a:fld id="{9E011383-3E6D-499F-B84B-F73E7FFC792A}" type="datetimeFigureOut">
               <a:rPr kumimoji="1" lang="ja-JP" altLang="en-US" smtClean="0"/>
-              <a:t>2017/9/7</a:t>
+              <a:t>2017/9/8</a:t>
             </a:fld>
             <a:endParaRPr kumimoji="1" lang="ja-JP" altLang="en-US"/>
           </a:p>
@@ -942,7 +948,7 @@
           <a:p>
             <a:fld id="{4ACD869C-8B6C-41BD-977C-F7F41E09D447}" type="datetimeFigureOut">
               <a:rPr kumimoji="1" lang="ja-JP" altLang="en-US" smtClean="0"/>
-              <a:t>2017/9/7</a:t>
+              <a:t>2017/9/8</a:t>
             </a:fld>
             <a:endParaRPr kumimoji="1" lang="ja-JP" altLang="en-US"/>
           </a:p>
@@ -1144,7 +1150,7 @@
           <a:p>
             <a:fld id="{4ACD869C-8B6C-41BD-977C-F7F41E09D447}" type="datetimeFigureOut">
               <a:rPr kumimoji="1" lang="ja-JP" altLang="en-US" smtClean="0"/>
-              <a:t>2017/9/7</a:t>
+              <a:t>2017/9/8</a:t>
             </a:fld>
             <a:endParaRPr kumimoji="1" lang="ja-JP" altLang="en-US"/>
           </a:p>
@@ -1356,7 +1362,7 @@
           <a:p>
             <a:fld id="{4ACD869C-8B6C-41BD-977C-F7F41E09D447}" type="datetimeFigureOut">
               <a:rPr kumimoji="1" lang="ja-JP" altLang="en-US" smtClean="0"/>
-              <a:t>2017/9/7</a:t>
+              <a:t>2017/9/8</a:t>
             </a:fld>
             <a:endParaRPr kumimoji="1" lang="ja-JP" altLang="en-US"/>
           </a:p>
@@ -1558,7 +1564,7 @@
           <a:p>
             <a:fld id="{4ACD869C-8B6C-41BD-977C-F7F41E09D447}" type="datetimeFigureOut">
               <a:rPr kumimoji="1" lang="ja-JP" altLang="en-US" smtClean="0"/>
-              <a:t>2017/9/7</a:t>
+              <a:t>2017/9/8</a:t>
             </a:fld>
             <a:endParaRPr kumimoji="1" lang="ja-JP" altLang="en-US"/>
           </a:p>
@@ -1804,7 +1810,7 @@
           <a:p>
             <a:fld id="{4ACD869C-8B6C-41BD-977C-F7F41E09D447}" type="datetimeFigureOut">
               <a:rPr kumimoji="1" lang="ja-JP" altLang="en-US" smtClean="0"/>
-              <a:t>2017/9/7</a:t>
+              <a:t>2017/9/8</a:t>
             </a:fld>
             <a:endParaRPr kumimoji="1" lang="ja-JP" altLang="en-US"/>
           </a:p>
@@ -2100,7 +2106,7 @@
           <a:p>
             <a:fld id="{4ACD869C-8B6C-41BD-977C-F7F41E09D447}" type="datetimeFigureOut">
               <a:rPr kumimoji="1" lang="ja-JP" altLang="en-US" smtClean="0"/>
-              <a:t>2017/9/7</a:t>
+              <a:t>2017/9/8</a:t>
             </a:fld>
             <a:endParaRPr kumimoji="1" lang="ja-JP" altLang="en-US"/>
           </a:p>
@@ -2531,7 +2537,7 @@
           <a:p>
             <a:fld id="{4ACD869C-8B6C-41BD-977C-F7F41E09D447}" type="datetimeFigureOut">
               <a:rPr kumimoji="1" lang="ja-JP" altLang="en-US" smtClean="0"/>
-              <a:t>2017/9/7</a:t>
+              <a:t>2017/9/8</a:t>
             </a:fld>
             <a:endParaRPr kumimoji="1" lang="ja-JP" altLang="en-US"/>
           </a:p>
@@ -2649,7 +2655,7 @@
           <a:p>
             <a:fld id="{4ACD869C-8B6C-41BD-977C-F7F41E09D447}" type="datetimeFigureOut">
               <a:rPr kumimoji="1" lang="ja-JP" altLang="en-US" smtClean="0"/>
-              <a:t>2017/9/7</a:t>
+              <a:t>2017/9/8</a:t>
             </a:fld>
             <a:endParaRPr kumimoji="1" lang="ja-JP" altLang="en-US"/>
           </a:p>
@@ -2744,7 +2750,7 @@
           <a:p>
             <a:fld id="{4ACD869C-8B6C-41BD-977C-F7F41E09D447}" type="datetimeFigureOut">
               <a:rPr kumimoji="1" lang="ja-JP" altLang="en-US" smtClean="0"/>
-              <a:t>2017/9/7</a:t>
+              <a:t>2017/9/8</a:t>
             </a:fld>
             <a:endParaRPr kumimoji="1" lang="ja-JP" altLang="en-US"/>
           </a:p>
@@ -3053,7 +3059,7 @@
           <a:p>
             <a:fld id="{4ACD869C-8B6C-41BD-977C-F7F41E09D447}" type="datetimeFigureOut">
               <a:rPr kumimoji="1" lang="ja-JP" altLang="en-US" smtClean="0"/>
-              <a:t>2017/9/7</a:t>
+              <a:t>2017/9/8</a:t>
             </a:fld>
             <a:endParaRPr kumimoji="1" lang="ja-JP" altLang="en-US"/>
           </a:p>
@@ -3306,7 +3312,7 @@
           <a:p>
             <a:fld id="{4ACD869C-8B6C-41BD-977C-F7F41E09D447}" type="datetimeFigureOut">
               <a:rPr kumimoji="1" lang="ja-JP" altLang="en-US" smtClean="0"/>
-              <a:t>2017/9/7</a:t>
+              <a:t>2017/9/8</a:t>
             </a:fld>
             <a:endParaRPr kumimoji="1" lang="ja-JP" altLang="en-US"/>
           </a:p>
@@ -3551,7 +3557,7 @@
           <a:p>
             <a:fld id="{4ACD869C-8B6C-41BD-977C-F7F41E09D447}" type="datetimeFigureOut">
               <a:rPr kumimoji="1" lang="ja-JP" altLang="en-US" smtClean="0"/>
-              <a:t>2017/9/7</a:t>
+              <a:t>2017/9/8</a:t>
             </a:fld>
             <a:endParaRPr kumimoji="1" lang="ja-JP" altLang="en-US"/>
           </a:p>
@@ -4733,13 +4739,10 @@
           </a:bodyPr>
           <a:lstStyle/>
           <a:p>
-            <a:r>
-              <a:rPr lang="en-US" altLang="ja-JP" sz="6000" dirty="0"/>
-              <a:t>What games are we </a:t>
-            </a:r>
-            <a:r>
-              <a:rPr lang="en-US" altLang="ja-JP" sz="6000" dirty="0" smtClean="0"/>
-              <a:t>making…</a:t>
+            <a:pPr algn="ctr"/>
+            <a:r>
+              <a:rPr kumimoji="1" lang="en-AU" altLang="ja-JP" sz="6000" dirty="0" smtClean="0"/>
+              <a:t>Concept</a:t>
             </a:r>
             <a:endParaRPr kumimoji="1" lang="ja-JP" altLang="en-US" sz="6000" dirty="0"/>
           </a:p>
@@ -5106,13 +5109,13 @@
   <p:clrMapOvr>
     <a:masterClrMapping/>
   </p:clrMapOvr>
-  <mc:AlternateContent xmlns:mc="http://schemas.openxmlformats.org/markup-compatibility/2006">
-    <mc:Choice xmlns:p14="http://schemas.microsoft.com/office/powerpoint/2010/main" Requires="p14">
+  <mc:AlternateContent xmlns:mc="http://schemas.openxmlformats.org/markup-compatibility/2006" xmlns:p14="http://schemas.microsoft.com/office/powerpoint/2010/main">
+    <mc:Choice Requires="p14">
       <p:transition spd="slow" p14:dur="2500">
         <p:checker/>
       </p:transition>
     </mc:Choice>
-    <mc:Fallback>
+    <mc:Fallback xmlns="">
       <p:transition spd="slow">
         <p:checker/>
       </p:transition>
@@ -5485,116 +5488,15 @@
           </a:bodyPr>
           <a:lstStyle/>
           <a:p>
-            <a:r>
-              <a:rPr lang="en-US" altLang="ja-JP" sz="6000" dirty="0" smtClean="0"/>
-              <a:t>How </a:t>
-            </a:r>
-            <a:r>
-              <a:rPr lang="en-US" altLang="ja-JP" sz="6000" dirty="0"/>
-              <a:t>do </a:t>
-            </a:r>
-            <a:r>
-              <a:rPr lang="en-US" altLang="ja-JP" sz="6000" dirty="0" smtClean="0"/>
-              <a:t>play </a:t>
-            </a:r>
-            <a:r>
-              <a:rPr lang="en-US" altLang="ja-JP" sz="6000" dirty="0"/>
-              <a:t>the </a:t>
-            </a:r>
-            <a:r>
-              <a:rPr lang="en-US" altLang="ja-JP" sz="6000" dirty="0" smtClean="0"/>
-              <a:t>game?</a:t>
+            <a:pPr algn="ctr"/>
+            <a:r>
+              <a:rPr kumimoji="1" lang="en-AU" altLang="ja-JP" sz="6000" dirty="0" smtClean="0"/>
+              <a:t>Gameplay</a:t>
             </a:r>
             <a:endParaRPr kumimoji="1" lang="ja-JP" altLang="en-US" sz="6000" dirty="0"/>
           </a:p>
         </p:txBody>
       </p:sp>
-      <p:grpSp>
-        <p:nvGrpSpPr>
-          <p:cNvPr id="4" name="グループ化 3"/>
-          <p:cNvGrpSpPr/>
-          <p:nvPr/>
-        </p:nvGrpSpPr>
-        <p:grpSpPr>
-          <a:xfrm>
-            <a:off x="838200" y="1934528"/>
-            <a:ext cx="2895600" cy="2902455"/>
-            <a:chOff x="838200" y="1690688"/>
-            <a:chExt cx="2895600" cy="2902455"/>
-          </a:xfrm>
-        </p:grpSpPr>
-        <p:pic>
-          <p:nvPicPr>
-            <p:cNvPr id="2050" name="Picture 2" descr="関連画像"/>
-            <p:cNvPicPr>
-              <a:picLocks noChangeAspect="1" noChangeArrowheads="1"/>
-            </p:cNvPicPr>
-            <p:nvPr/>
-          </p:nvPicPr>
-          <p:blipFill>
-            <a:blip r:embed="rId3" cstate="print">
-              <a:extLst>
-                <a:ext uri="{28A0092B-C50C-407E-A947-70E740481C1C}">
-                  <a14:useLocalDpi xmlns:a14="http://schemas.microsoft.com/office/drawing/2010/main" val="0"/>
-                </a:ext>
-              </a:extLst>
-            </a:blip>
-            <a:srcRect/>
-            <a:stretch>
-              <a:fillRect/>
-            </a:stretch>
-          </p:blipFill>
-          <p:spPr bwMode="auto">
-            <a:xfrm>
-              <a:off x="838200" y="1690688"/>
-              <a:ext cx="2895600" cy="2533651"/>
-            </a:xfrm>
-            <a:prstGeom prst="rect">
-              <a:avLst/>
-            </a:prstGeom>
-            <a:noFill/>
-            <a:extLst>
-              <a:ext uri="{909E8E84-426E-40DD-AFC4-6F175D3DCCD1}">
-                <a14:hiddenFill xmlns:a14="http://schemas.microsoft.com/office/drawing/2010/main">
-                  <a:solidFill>
-                    <a:srgbClr val="FFFFFF"/>
-                  </a:solidFill>
-                </a14:hiddenFill>
-              </a:ext>
-            </a:extLst>
-          </p:spPr>
-        </p:pic>
-        <p:sp>
-          <p:nvSpPr>
-            <p:cNvPr id="3" name="テキスト ボックス 2"/>
-            <p:cNvSpPr txBox="1"/>
-            <p:nvPr/>
-          </p:nvSpPr>
-          <p:spPr>
-            <a:xfrm>
-              <a:off x="1706354" y="4223811"/>
-              <a:ext cx="1159292" cy="369332"/>
-            </a:xfrm>
-            <a:prstGeom prst="rect">
-              <a:avLst/>
-            </a:prstGeom>
-            <a:noFill/>
-          </p:spPr>
-          <p:txBody>
-            <a:bodyPr wrap="none" rtlCol="0">
-              <a:spAutoFit/>
-            </a:bodyPr>
-            <a:lstStyle/>
-            <a:p>
-              <a:r>
-                <a:rPr kumimoji="1" lang="en-US" altLang="ja-JP" i="1" dirty="0" smtClean="0"/>
-                <a:t>Gladiator</a:t>
-              </a:r>
-              <a:endParaRPr kumimoji="1" lang="ja-JP" altLang="en-US" i="1" dirty="0"/>
-            </a:p>
-          </p:txBody>
-        </p:sp>
-      </p:grpSp>
       <p:grpSp>
         <p:nvGrpSpPr>
           <p:cNvPr id="6" name="グループ化 5"/>
@@ -5603,7 +5505,7 @@
         </p:nvGrpSpPr>
         <p:grpSpPr>
           <a:xfrm>
-            <a:off x="4066540" y="1963398"/>
+            <a:off x="3039173" y="2824452"/>
             <a:ext cx="2167581" cy="2475909"/>
             <a:chOff x="3967480" y="1554480"/>
             <a:chExt cx="2167581" cy="2475909"/>
@@ -5742,7 +5644,7 @@
         </p:nvGrpSpPr>
         <p:grpSpPr>
           <a:xfrm>
-            <a:off x="6784834" y="1458808"/>
+            <a:off x="5229165" y="2521828"/>
             <a:ext cx="3912507" cy="3262696"/>
             <a:chOff x="7114347" y="1154008"/>
             <a:chExt cx="3912507" cy="3262696"/>
@@ -5867,47 +5769,6 @@
           </p:txBody>
         </p:sp>
       </p:grpSp>
-      <p:pic>
-        <p:nvPicPr>
-          <p:cNvPr id="2052" name="Picture 4" descr="「剣闘士 イラスト」の画像検索結果"/>
-          <p:cNvPicPr>
-            <a:picLocks noChangeAspect="1" noChangeArrowheads="1"/>
-          </p:cNvPicPr>
-          <p:nvPr/>
-        </p:nvPicPr>
-        <p:blipFill>
-          <a:blip r:embed="rId4">
-            <a:extLst>
-              <a:ext uri="{28A0092B-C50C-407E-A947-70E740481C1C}">
-                <a14:useLocalDpi xmlns:a14="http://schemas.microsoft.com/office/drawing/2010/main" val="0"/>
-              </a:ext>
-            </a:extLst>
-          </a:blip>
-          <a:srcRect/>
-          <a:stretch>
-            <a:fillRect/>
-          </a:stretch>
-        </p:blipFill>
-        <p:spPr bwMode="auto">
-          <a:xfrm>
-            <a:off x="9675370" y="4438811"/>
-            <a:ext cx="2516630" cy="2414767"/>
-          </a:xfrm>
-          <a:prstGeom prst="rect">
-            <a:avLst/>
-          </a:prstGeom>
-          <a:noFill/>
-          <a:extLst>
-            <a:ext uri="{909E8E84-426E-40DD-AFC4-6F175D3DCCD1}">
-              <a14:hiddenFill xmlns:a14="http://schemas.microsoft.com/office/drawing/2010/main">
-                <a:solidFill>
-                  <a:srgbClr val="FFFFFF"/>
-                </a:solidFill>
-              </a14:hiddenFill>
-            </a:ext>
-          </a:extLst>
-        </p:spPr>
-      </p:pic>
       <p:grpSp>
         <p:nvGrpSpPr>
           <p:cNvPr id="15" name="グループ化 14"/>
@@ -5916,7 +5777,7 @@
         </p:nvGrpSpPr>
         <p:grpSpPr>
           <a:xfrm>
-            <a:off x="10421490" y="3332451"/>
+            <a:off x="9489187" y="1017297"/>
             <a:ext cx="1864613" cy="1504531"/>
             <a:chOff x="10421490" y="3532389"/>
             <a:chExt cx="1864613" cy="1504531"/>
@@ -6026,67 +5887,120 @@
           </p:txBody>
         </p:sp>
       </p:grpSp>
-      <p:sp>
-        <p:nvSpPr>
-          <p:cNvPr id="16" name="正方形/長方形 15"/>
-          <p:cNvSpPr/>
-          <p:nvPr/>
-        </p:nvSpPr>
-        <p:spPr>
-          <a:xfrm>
-            <a:off x="162830" y="5184529"/>
-            <a:ext cx="9512540" cy="923330"/>
-          </a:xfrm>
-          <a:prstGeom prst="rect">
-            <a:avLst/>
-          </a:prstGeom>
-          <a:noFill/>
-        </p:spPr>
-        <p:txBody>
-          <a:bodyPr wrap="none" lIns="91440" tIns="45720" rIns="91440" bIns="45720">
-            <a:spAutoFit/>
-          </a:bodyPr>
-          <a:lstStyle/>
-          <a:p>
-            <a:pPr algn="ctr"/>
-            <a:r>
-              <a:rPr lang="en-US" altLang="ja-JP" sz="5400" b="1" i="1" dirty="0" smtClean="0">
-                <a:ln w="9525">
-                  <a:solidFill>
-                    <a:schemeClr val="bg1"/>
-                  </a:solidFill>
-                  <a:prstDash val="solid"/>
-                </a:ln>
-                <a:solidFill>
-                  <a:srgbClr val="FF0000"/>
-                </a:solidFill>
-                <a:effectLst>
-                  <a:outerShdw blurRad="12700" dist="38100" dir="2700000" algn="tl" rotWithShape="0">
-                    <a:schemeClr val="accent2"/>
-                  </a:outerShdw>
-                </a:effectLst>
-              </a:rPr>
-              <a:t>Kill more, become stronger!</a:t>
-            </a:r>
-            <a:endParaRPr lang="ja-JP" altLang="en-US" sz="5400" b="1" i="1" dirty="0">
-              <a:ln w="9525">
-                <a:solidFill>
-                  <a:schemeClr val="bg1"/>
-                </a:solidFill>
-                <a:prstDash val="solid"/>
-              </a:ln>
-              <a:solidFill>
-                <a:srgbClr val="FF0000"/>
-              </a:solidFill>
-              <a:effectLst>
-                <a:outerShdw blurRad="12700" dist="38100" dir="2700000" algn="tl" rotWithShape="0">
-                  <a:schemeClr val="accent2"/>
-                </a:outerShdw>
-              </a:effectLst>
-            </a:endParaRPr>
-          </a:p>
-        </p:txBody>
-      </p:sp>
+      <p:graphicFrame>
+        <p:nvGraphicFramePr>
+          <p:cNvPr id="17" name="Object 16"/>
+          <p:cNvGraphicFramePr>
+            <a:graphicFrameLocks noChangeAspect="1"/>
+          </p:cNvGraphicFramePr>
+          <p:nvPr>
+            <p:extLst>
+              <p:ext uri="{D42A27DB-BD31-4B8C-83A1-F6EECF244321}">
+                <p14:modId xmlns:p14="http://schemas.microsoft.com/office/powerpoint/2010/main" val="1845982719"/>
+              </p:ext>
+            </p:extLst>
+          </p:nvPr>
+        </p:nvGraphicFramePr>
+        <p:xfrm>
+          <a:off x="837443" y="2521828"/>
+          <a:ext cx="1913401" cy="3108062"/>
+        </p:xfrm>
+        <a:graphic>
+          <a:graphicData uri="http://schemas.openxmlformats.org/presentationml/2006/ole">
+            <mc:AlternateContent xmlns:mc="http://schemas.openxmlformats.org/markup-compatibility/2006">
+              <mc:Choice xmlns:v="urn:schemas-microsoft-com:vml" Requires="v">
+                <p:oleObj spid="_x0000_s1032" name="Image" r:id="rId4" imgW="2501280" imgH="4063320" progId="Photoshop.Image.17">
+                  <p:embed/>
+                </p:oleObj>
+              </mc:Choice>
+              <mc:Fallback>
+                <p:oleObj name="Image" r:id="rId4" imgW="2501280" imgH="4063320" progId="Photoshop.Image.17">
+                  <p:embed/>
+                  <p:pic>
+                    <p:nvPicPr>
+                      <p:cNvPr id="0" name=""/>
+                      <p:cNvPicPr/>
+                      <p:nvPr/>
+                    </p:nvPicPr>
+                    <p:blipFill>
+                      <a:blip r:embed="rId5"/>
+                      <a:stretch>
+                        <a:fillRect/>
+                      </a:stretch>
+                    </p:blipFill>
+                    <p:spPr>
+                      <a:xfrm>
+                        <a:off x="837443" y="2521828"/>
+                        <a:ext cx="1913401" cy="3108062"/>
+                      </a:xfrm>
+                      <a:prstGeom prst="rect">
+                        <a:avLst/>
+                      </a:prstGeom>
+                    </p:spPr>
+                  </p:pic>
+                </p:oleObj>
+              </mc:Fallback>
+            </mc:AlternateContent>
+          </a:graphicData>
+        </a:graphic>
+      </p:graphicFrame>
+      <p:graphicFrame>
+        <p:nvGraphicFramePr>
+          <p:cNvPr id="19" name="Object 18"/>
+          <p:cNvGraphicFramePr>
+            <a:graphicFrameLocks noChangeAspect="1"/>
+          </p:cNvGraphicFramePr>
+          <p:nvPr>
+            <p:extLst>
+              <p:ext uri="{D42A27DB-BD31-4B8C-83A1-F6EECF244321}">
+                <p14:modId xmlns:p14="http://schemas.microsoft.com/office/powerpoint/2010/main" val="221774168"/>
+              </p:ext>
+            </p:extLst>
+          </p:nvPr>
+        </p:nvGraphicFramePr>
+        <p:xfrm>
+          <a:off x="9470792" y="2654844"/>
+          <a:ext cx="1813539" cy="2945850"/>
+        </p:xfrm>
+        <a:graphic>
+          <a:graphicData uri="http://schemas.openxmlformats.org/presentationml/2006/ole">
+            <mc:AlternateContent xmlns:mc="http://schemas.openxmlformats.org/markup-compatibility/2006">
+              <mc:Choice xmlns:v="urn:schemas-microsoft-com:vml" Requires="v">
+                <p:oleObj spid="_x0000_s1033" name="Image" r:id="rId6" imgW="2501280" imgH="4063320" progId="Photoshop.Image.17">
+                  <p:embed/>
+                </p:oleObj>
+              </mc:Choice>
+              <mc:Fallback>
+                <p:oleObj name="Image" r:id="rId6" imgW="2501280" imgH="4063320" progId="Photoshop.Image.17">
+                  <p:embed/>
+                  <p:pic>
+                    <p:nvPicPr>
+                      <p:cNvPr id="0" name=""/>
+                      <p:cNvPicPr/>
+                      <p:nvPr/>
+                    </p:nvPicPr>
+                    <p:blipFill>
+                      <a:blip r:embed="rId7"/>
+                      <a:stretch>
+                        <a:fillRect/>
+                      </a:stretch>
+                    </p:blipFill>
+                    <p:spPr>
+                      <a:xfrm>
+                        <a:off x="9470792" y="2654844"/>
+                        <a:ext cx="1813539" cy="2945850"/>
+                      </a:xfrm>
+                      <a:prstGeom prst="rect">
+                        <a:avLst/>
+                      </a:prstGeom>
+                    </p:spPr>
+                  </p:pic>
+                </p:oleObj>
+              </mc:Fallback>
+            </mc:AlternateContent>
+          </a:graphicData>
+        </a:graphic>
+      </p:graphicFrame>
     </p:spTree>
     <p:extLst>
       <p:ext uri="{BB962C8B-B14F-4D97-AF65-F5344CB8AC3E}">
@@ -6097,13 +6011,13 @@
   <p:clrMapOvr>
     <a:masterClrMapping/>
   </p:clrMapOvr>
-  <mc:AlternateContent xmlns:mc="http://schemas.openxmlformats.org/markup-compatibility/2006">
-    <mc:Choice xmlns:p14="http://schemas.microsoft.com/office/powerpoint/2010/main" Requires="p14">
+  <mc:AlternateContent xmlns:mc="http://schemas.openxmlformats.org/markup-compatibility/2006" xmlns:p14="http://schemas.microsoft.com/office/powerpoint/2010/main">
+    <mc:Choice Requires="p14">
       <p:transition spd="slow" p14:dur="1250">
         <p14:flip dir="r"/>
       </p:transition>
     </mc:Choice>
-    <mc:Fallback>
+    <mc:Fallback xmlns="">
       <p:transition spd="slow">
         <p:fade/>
       </p:transition>
@@ -6303,59 +6217,6 @@
                       </p:childTnLst>
                     </p:cTn>
                   </p:par>
-                  <p:par>
-                    <p:cTn id="21" fill="hold">
-                      <p:stCondLst>
-                        <p:cond delay="indefinite"/>
-                      </p:stCondLst>
-                      <p:childTnLst>
-                        <p:par>
-                          <p:cTn id="22" fill="hold">
-                            <p:stCondLst>
-                              <p:cond delay="0"/>
-                            </p:stCondLst>
-                            <p:childTnLst>
-                              <p:par>
-                                <p:cTn id="23" presetID="22" presetClass="entr" presetSubtype="8" fill="hold" grpId="0" nodeType="clickEffect">
-                                  <p:stCondLst>
-                                    <p:cond delay="0"/>
-                                  </p:stCondLst>
-                                  <p:childTnLst>
-                                    <p:set>
-                                      <p:cBhvr>
-                                        <p:cTn id="24" dur="1" fill="hold">
-                                          <p:stCondLst>
-                                            <p:cond delay="0"/>
-                                          </p:stCondLst>
-                                        </p:cTn>
-                                        <p:tgtEl>
-                                          <p:spTgt spid="16"/>
-                                        </p:tgtEl>
-                                        <p:attrNameLst>
-                                          <p:attrName>style.visibility</p:attrName>
-                                        </p:attrNameLst>
-                                      </p:cBhvr>
-                                      <p:to>
-                                        <p:strVal val="visible"/>
-                                      </p:to>
-                                    </p:set>
-                                    <p:animEffect transition="in" filter="wipe(left)">
-                                      <p:cBhvr>
-                                        <p:cTn id="25" dur="500"/>
-                                        <p:tgtEl>
-                                          <p:spTgt spid="16"/>
-                                        </p:tgtEl>
-                                      </p:cBhvr>
-                                    </p:animEffect>
-                                  </p:childTnLst>
-                                </p:cTn>
-                              </p:par>
-                            </p:childTnLst>
-                          </p:cTn>
-                        </p:par>
-                      </p:childTnLst>
-                    </p:cTn>
-                  </p:par>
                 </p:childTnLst>
               </p:cTn>
               <p:prevCondLst>
@@ -6377,9 +6238,6 @@
         </p:cTn>
       </p:par>
     </p:tnLst>
-    <p:bldLst>
-      <p:bldP spid="16" grpId="0"/>
-    </p:bldLst>
   </p:timing>
 </p:sld>
 </file>
@@ -6409,8 +6267,8 @@
         </p:nvSpPr>
         <p:spPr>
           <a:xfrm>
-            <a:off x="902825" y="752355"/>
-            <a:ext cx="1963999" cy="923330"/>
+            <a:off x="8123257" y="2033515"/>
+            <a:ext cx="4068743" cy="646331"/>
           </a:xfrm>
           <a:prstGeom prst="rect">
             <a:avLst/>
@@ -6424,28 +6282,369 @@
           <a:lstStyle/>
           <a:p>
             <a:r>
-              <a:rPr kumimoji="1" lang="en-US" altLang="ja-JP" dirty="0" smtClean="0"/>
-              <a:t>Art</a:t>
-            </a:r>
-          </a:p>
-          <a:p>
+              <a:rPr lang="en-US" altLang="ja-JP" dirty="0" smtClean="0"/>
+              <a:t>Simplistic graphics and shapes with </a:t>
+            </a:r>
+          </a:p>
+          <a:p>
+            <a:r>
+              <a:rPr lang="en-US" altLang="ja-JP" dirty="0" smtClean="0"/>
+              <a:t>a strong </a:t>
+            </a:r>
             <a:r>
               <a:rPr lang="en-US" altLang="ja-JP" dirty="0"/>
-              <a:t>*</a:t>
+              <a:t>u</a:t>
             </a:r>
             <a:r>
               <a:rPr lang="en-US" altLang="ja-JP" dirty="0" smtClean="0"/>
-              <a:t>UI and graphics</a:t>
-            </a:r>
-          </a:p>
-          <a:p>
+              <a:t>se of contrast and color</a:t>
+            </a:r>
             <a:r>
               <a:rPr lang="en-US" altLang="ja-JP" dirty="0" smtClean="0"/>
-              <a:t>*visual effects</a:t>
-            </a:r>
-          </a:p>
-        </p:txBody>
-      </p:sp>
+              <a:t> </a:t>
+            </a:r>
+            <a:endParaRPr lang="en-US" altLang="ja-JP" dirty="0" smtClean="0"/>
+          </a:p>
+        </p:txBody>
+      </p:sp>
+      <p:sp>
+        <p:nvSpPr>
+          <p:cNvPr id="3" name="タイトル 1"/>
+          <p:cNvSpPr txBox="1">
+            <a:spLocks/>
+          </p:cNvSpPr>
+          <p:nvPr/>
+        </p:nvSpPr>
+        <p:spPr>
+          <a:xfrm>
+            <a:off x="3437328" y="542546"/>
+            <a:ext cx="4593609" cy="917765"/>
+          </a:xfrm>
+          <a:prstGeom prst="rect">
+            <a:avLst/>
+          </a:prstGeom>
+        </p:spPr>
+        <p:txBody>
+          <a:bodyPr>
+            <a:normAutofit/>
+          </a:bodyPr>
+          <a:lstStyle>
+            <a:lvl1pPr algn="l" defTabSz="914400" rtl="0" eaLnBrk="1" latinLnBrk="0" hangingPunct="1">
+              <a:lnSpc>
+                <a:spcPct val="90000"/>
+              </a:lnSpc>
+              <a:spcBef>
+                <a:spcPct val="0"/>
+              </a:spcBef>
+              <a:buNone/>
+              <a:defRPr kumimoji="1" sz="4400" kern="1200">
+                <a:solidFill>
+                  <a:schemeClr val="tx1"/>
+                </a:solidFill>
+                <a:latin typeface="+mj-lt"/>
+                <a:ea typeface="+mj-ea"/>
+                <a:cs typeface="+mj-cs"/>
+              </a:defRPr>
+            </a:lvl1pPr>
+          </a:lstStyle>
+          <a:p>
+            <a:r>
+              <a:rPr lang="en-AU" altLang="ja-JP" sz="6000" dirty="0" smtClean="0"/>
+              <a:t>Art Direction</a:t>
+            </a:r>
+          </a:p>
+          <a:p>
+            <a:endParaRPr lang="ja-JP" altLang="en-US" sz="6000" dirty="0"/>
+          </a:p>
+        </p:txBody>
+      </p:sp>
+      <p:pic>
+        <p:nvPicPr>
+          <p:cNvPr id="4" name="Picture 3"/>
+          <p:cNvPicPr>
+            <a:picLocks noChangeAspect="1"/>
+          </p:cNvPicPr>
+          <p:nvPr/>
+        </p:nvPicPr>
+        <p:blipFill rotWithShape="1">
+          <a:blip r:embed="rId2">
+            <a:extLst>
+              <a:ext uri="{28A0092B-C50C-407E-A947-70E740481C1C}">
+                <a14:useLocalDpi xmlns:a14="http://schemas.microsoft.com/office/drawing/2010/main" val="0"/>
+              </a:ext>
+            </a:extLst>
+          </a:blip>
+          <a:srcRect l="1" r="607"/>
+          <a:stretch/>
+        </p:blipFill>
+        <p:spPr>
+          <a:xfrm>
+            <a:off x="348454" y="2033515"/>
+            <a:ext cx="7682483" cy="4298619"/>
+          </a:xfrm>
+          <a:prstGeom prst="rect">
+            <a:avLst/>
+          </a:prstGeom>
+        </p:spPr>
+      </p:pic>
+      <p:sp>
+        <p:nvSpPr>
+          <p:cNvPr id="6" name="テキスト ボックス 1"/>
+          <p:cNvSpPr txBox="1"/>
+          <p:nvPr/>
+        </p:nvSpPr>
+        <p:spPr>
+          <a:xfrm>
+            <a:off x="16246513" y="5696001"/>
+            <a:ext cx="65759" cy="369332"/>
+          </a:xfrm>
+          <a:prstGeom prst="rect">
+            <a:avLst/>
+          </a:prstGeom>
+          <a:noFill/>
+        </p:spPr>
+        <p:txBody>
+          <a:bodyPr wrap="square" rtlCol="0">
+            <a:spAutoFit/>
+          </a:bodyPr>
+          <a:lstStyle/>
+          <a:p>
+            <a:endParaRPr lang="en-US" altLang="ja-JP" dirty="0" smtClean="0"/>
+          </a:p>
+        </p:txBody>
+      </p:sp>
+      <p:sp>
+        <p:nvSpPr>
+          <p:cNvPr id="8" name="Rectangle 2"/>
+          <p:cNvSpPr>
+            <a:spLocks noChangeArrowheads="1"/>
+          </p:cNvSpPr>
+          <p:nvPr/>
+        </p:nvSpPr>
+        <p:spPr bwMode="auto">
+          <a:xfrm>
+            <a:off x="8229599" y="2736924"/>
+            <a:ext cx="3962401" cy="1015663"/>
+          </a:xfrm>
+          <a:prstGeom prst="rect">
+            <a:avLst/>
+          </a:prstGeom>
+          <a:noFill/>
+          <a:ln>
+            <a:noFill/>
+          </a:ln>
+          <a:effectLst/>
+          <a:extLst>
+            <a:ext uri="{909E8E84-426E-40DD-AFC4-6F175D3DCCD1}">
+              <a14:hiddenFill xmlns:a14="http://schemas.microsoft.com/office/drawing/2010/main">
+                <a:solidFill>
+                  <a:schemeClr val="accent1"/>
+                </a:solidFill>
+              </a14:hiddenFill>
+            </a:ext>
+            <a:ext uri="{91240B29-F687-4F45-9708-019B960494DF}">
+              <a14:hiddenLine xmlns:a14="http://schemas.microsoft.com/office/drawing/2010/main" w="9525">
+                <a:solidFill>
+                  <a:schemeClr val="tx1"/>
+                </a:solidFill>
+                <a:miter lim="800000"/>
+                <a:headEnd/>
+                <a:tailEnd/>
+              </a14:hiddenLine>
+            </a:ext>
+            <a:ext uri="{AF507438-7753-43E0-B8FC-AC1667EBCBE1}">
+              <a14:hiddenEffects xmlns:a14="http://schemas.microsoft.com/office/drawing/2010/main">
+                <a:effectLst>
+                  <a:outerShdw dist="35921" dir="2700000" algn="ctr" rotWithShape="0">
+                    <a:schemeClr val="bg2"/>
+                  </a:outerShdw>
+                </a:effectLst>
+              </a14:hiddenEffects>
+            </a:ext>
+          </a:extLst>
+        </p:spPr>
+        <p:txBody>
+          <a:bodyPr vert="horz" wrap="square" lIns="91440" tIns="45720" rIns="91440" bIns="45720" numCol="1" anchor="ctr" anchorCtr="0" compatLnSpc="1">
+            <a:prstTxWarp prst="textNoShape">
+              <a:avLst/>
+            </a:prstTxWarp>
+            <a:spAutoFit/>
+          </a:bodyPr>
+          <a:lstStyle/>
+          <a:p>
+            <a:pPr lvl="0" eaLnBrk="0" fontAlgn="base" hangingPunct="0">
+              <a:spcBef>
+                <a:spcPct val="0"/>
+              </a:spcBef>
+              <a:spcAft>
+                <a:spcPct val="0"/>
+              </a:spcAft>
+            </a:pPr>
+            <a:r>
+              <a:rPr kumimoji="0" lang="ja-JP" sz="2000" b="0" i="0" u="none" strike="noStrike" cap="none" normalizeH="0" baseline="0" dirty="0" smtClean="0">
+                <a:ln>
+                  <a:noFill/>
+                </a:ln>
+                <a:solidFill>
+                  <a:schemeClr val="tx1"/>
+                </a:solidFill>
+                <a:effectLst/>
+                <a:latin typeface="Arial Unicode MS" panose="020B0604020202020204" pitchFamily="34" charset="-128"/>
+              </a:rPr>
+              <a:t>シンプルなグラフィックスとシェイプ コントラストと</a:t>
+            </a:r>
+            <a:r>
+              <a:rPr kumimoji="0" lang="ja-JP" altLang="en-US" sz="2000" dirty="0">
+                <a:latin typeface="Arial Unicode MS" panose="020B0604020202020204" pitchFamily="34" charset="-128"/>
+              </a:rPr>
+              <a:t>強い</a:t>
+            </a:r>
+            <a:r>
+              <a:rPr kumimoji="0" lang="ja-JP" sz="2000" b="0" i="0" u="none" strike="noStrike" cap="none" normalizeH="0" baseline="0" dirty="0" smtClean="0">
+                <a:ln>
+                  <a:noFill/>
+                </a:ln>
+                <a:solidFill>
+                  <a:schemeClr val="tx1"/>
+                </a:solidFill>
+                <a:effectLst/>
+                <a:latin typeface="Arial Unicode MS" panose="020B0604020202020204" pitchFamily="34" charset="-128"/>
+              </a:rPr>
+              <a:t>色の使用</a:t>
+            </a:r>
+            <a:endParaRPr kumimoji="0" lang="ja-JP" sz="2000" b="0" i="0" u="none" strike="noStrike" cap="none" normalizeH="0" baseline="0" dirty="0" smtClean="0">
+              <a:ln>
+                <a:noFill/>
+              </a:ln>
+              <a:solidFill>
+                <a:schemeClr val="tx1"/>
+              </a:solidFill>
+              <a:effectLst/>
+              <a:latin typeface="Arial" panose="020B0604020202020204" pitchFamily="34" charset="0"/>
+            </a:endParaRPr>
+          </a:p>
+        </p:txBody>
+      </p:sp>
+      <p:pic>
+        <p:nvPicPr>
+          <p:cNvPr id="14" name="Picture 13"/>
+          <p:cNvPicPr>
+            <a:picLocks noChangeAspect="1"/>
+          </p:cNvPicPr>
+          <p:nvPr/>
+        </p:nvPicPr>
+        <p:blipFill>
+          <a:blip r:embed="rId3" cstate="print">
+            <a:extLst>
+              <a:ext uri="{28A0092B-C50C-407E-A947-70E740481C1C}">
+                <a14:useLocalDpi xmlns:a14="http://schemas.microsoft.com/office/drawing/2010/main" val="0"/>
+              </a:ext>
+            </a:extLst>
+          </a:blip>
+          <a:stretch>
+            <a:fillRect/>
+          </a:stretch>
+        </p:blipFill>
+        <p:spPr>
+          <a:xfrm>
+            <a:off x="8229599" y="3809665"/>
+            <a:ext cx="1282037" cy="1273603"/>
+          </a:xfrm>
+          <a:prstGeom prst="rect">
+            <a:avLst/>
+          </a:prstGeom>
+        </p:spPr>
+      </p:pic>
+      <p:pic>
+        <p:nvPicPr>
+          <p:cNvPr id="15" name="Picture 14"/>
+          <p:cNvPicPr>
+            <a:picLocks noChangeAspect="1"/>
+          </p:cNvPicPr>
+          <p:nvPr/>
+        </p:nvPicPr>
+        <p:blipFill>
+          <a:blip r:embed="rId4" cstate="print">
+            <a:extLst>
+              <a:ext uri="{28A0092B-C50C-407E-A947-70E740481C1C}">
+                <a14:useLocalDpi xmlns:a14="http://schemas.microsoft.com/office/drawing/2010/main" val="0"/>
+              </a:ext>
+            </a:extLst>
+          </a:blip>
+          <a:stretch>
+            <a:fillRect/>
+          </a:stretch>
+        </p:blipFill>
+        <p:spPr>
+          <a:xfrm>
+            <a:off x="8085903" y="5140346"/>
+            <a:ext cx="4106097" cy="95809"/>
+          </a:xfrm>
+          <a:prstGeom prst="rect">
+            <a:avLst/>
+          </a:prstGeom>
+        </p:spPr>
+      </p:pic>
+      <p:pic>
+        <p:nvPicPr>
+          <p:cNvPr id="16" name="Picture 15"/>
+          <p:cNvPicPr>
+            <a:picLocks noChangeAspect="1"/>
+          </p:cNvPicPr>
+          <p:nvPr/>
+        </p:nvPicPr>
+        <p:blipFill>
+          <a:blip r:embed="rId5" cstate="print">
+            <a:extLst>
+              <a:ext uri="{28A0092B-C50C-407E-A947-70E740481C1C}">
+                <a14:useLocalDpi xmlns:a14="http://schemas.microsoft.com/office/drawing/2010/main" val="0"/>
+              </a:ext>
+            </a:extLst>
+          </a:blip>
+          <a:stretch>
+            <a:fillRect/>
+          </a:stretch>
+        </p:blipFill>
+        <p:spPr>
+          <a:xfrm>
+            <a:off x="8085903" y="5423952"/>
+            <a:ext cx="4068743" cy="57172"/>
+          </a:xfrm>
+          <a:prstGeom prst="rect">
+            <a:avLst/>
+          </a:prstGeom>
+        </p:spPr>
+      </p:pic>
+      <p:pic>
+        <p:nvPicPr>
+          <p:cNvPr id="17" name="Picture 16"/>
+          <p:cNvPicPr>
+            <a:picLocks noChangeAspect="1"/>
+          </p:cNvPicPr>
+          <p:nvPr/>
+        </p:nvPicPr>
+        <p:blipFill>
+          <a:blip r:embed="rId6" cstate="print">
+            <a:extLst>
+              <a:ext uri="{28A0092B-C50C-407E-A947-70E740481C1C}">
+                <a14:useLocalDpi xmlns:a14="http://schemas.microsoft.com/office/drawing/2010/main" val="0"/>
+              </a:ext>
+            </a:extLst>
+          </a:blip>
+          <a:stretch>
+            <a:fillRect/>
+          </a:stretch>
+        </p:blipFill>
+        <p:spPr>
+          <a:xfrm flipV="1">
+            <a:off x="8085903" y="5638537"/>
+            <a:ext cx="4068743" cy="132374"/>
+          </a:xfrm>
+          <a:prstGeom prst="rect">
+            <a:avLst/>
+          </a:prstGeom>
+        </p:spPr>
+      </p:pic>
     </p:spTree>
     <p:extLst>
       <p:ext uri="{BB962C8B-B14F-4D97-AF65-F5344CB8AC3E}">
@@ -6463,6 +6662,190 @@
       </p:par>
     </p:tnLst>
   </p:timing>
+</p:sld>
+</file>
+
+<file path=ppt/slides/slide5.xml><?xml version="1.0" encoding="utf-8"?>
+<p:sld xmlns:a="http://schemas.openxmlformats.org/drawingml/2006/main" xmlns:r="http://schemas.openxmlformats.org/officeDocument/2006/relationships" xmlns:p="http://schemas.openxmlformats.org/presentationml/2006/main">
+  <p:cSld>
+    <p:spTree>
+      <p:nvGrpSpPr>
+        <p:cNvPr id="1" name=""/>
+        <p:cNvGrpSpPr/>
+        <p:nvPr/>
+      </p:nvGrpSpPr>
+      <p:grpSpPr>
+        <a:xfrm>
+          <a:off x="0" y="0"/>
+          <a:ext cx="0" cy="0"/>
+          <a:chOff x="0" y="0"/>
+          <a:chExt cx="0" cy="0"/>
+        </a:xfrm>
+      </p:grpSpPr>
+      <p:sp>
+        <p:nvSpPr>
+          <p:cNvPr id="5" name="タイトル 1"/>
+          <p:cNvSpPr txBox="1">
+            <a:spLocks/>
+          </p:cNvSpPr>
+          <p:nvPr/>
+        </p:nvSpPr>
+        <p:spPr>
+          <a:xfrm>
+            <a:off x="4324434" y="542546"/>
+            <a:ext cx="2513096" cy="917765"/>
+          </a:xfrm>
+          <a:prstGeom prst="rect">
+            <a:avLst/>
+          </a:prstGeom>
+        </p:spPr>
+        <p:txBody>
+          <a:bodyPr>
+            <a:normAutofit/>
+          </a:bodyPr>
+          <a:lstStyle>
+            <a:lvl1pPr algn="l" defTabSz="914400" rtl="0" eaLnBrk="1" latinLnBrk="0" hangingPunct="1">
+              <a:lnSpc>
+                <a:spcPct val="90000"/>
+              </a:lnSpc>
+              <a:spcBef>
+                <a:spcPct val="0"/>
+              </a:spcBef>
+              <a:buNone/>
+              <a:defRPr kumimoji="1" sz="4400" kern="1200">
+                <a:solidFill>
+                  <a:schemeClr val="tx1"/>
+                </a:solidFill>
+                <a:latin typeface="+mj-lt"/>
+                <a:ea typeface="+mj-ea"/>
+                <a:cs typeface="+mj-cs"/>
+              </a:defRPr>
+            </a:lvl1pPr>
+          </a:lstStyle>
+          <a:p>
+            <a:pPr algn="ctr"/>
+            <a:r>
+              <a:rPr lang="en-AU" altLang="ja-JP" sz="6000" dirty="0" smtClean="0"/>
+              <a:t>To Do</a:t>
+            </a:r>
+            <a:endParaRPr lang="ja-JP" altLang="en-US" sz="6000" dirty="0"/>
+          </a:p>
+        </p:txBody>
+      </p:sp>
+      <p:sp>
+        <p:nvSpPr>
+          <p:cNvPr id="7" name="TextBox 6"/>
+          <p:cNvSpPr txBox="1"/>
+          <p:nvPr/>
+        </p:nvSpPr>
+        <p:spPr>
+          <a:xfrm>
+            <a:off x="1405721" y="2552131"/>
+            <a:ext cx="5431809" cy="3139321"/>
+          </a:xfrm>
+          <a:prstGeom prst="rect">
+            <a:avLst/>
+          </a:prstGeom>
+          <a:noFill/>
+        </p:spPr>
+        <p:txBody>
+          <a:bodyPr wrap="square" rtlCol="0">
+            <a:spAutoFit/>
+          </a:bodyPr>
+          <a:lstStyle/>
+          <a:p>
+            <a:pPr marL="285750" indent="-285750">
+              <a:buFont typeface="Arial" panose="020B0604020202020204" pitchFamily="34" charset="0"/>
+              <a:buChar char="•"/>
+            </a:pPr>
+            <a:r>
+              <a:rPr lang="en-AU" sz="2400" dirty="0" smtClean="0"/>
+              <a:t>Create a cohesive project</a:t>
+            </a:r>
+          </a:p>
+          <a:p>
+            <a:pPr marL="285750" indent="-285750">
+              <a:buFont typeface="Arial" panose="020B0604020202020204" pitchFamily="34" charset="0"/>
+              <a:buChar char="•"/>
+            </a:pPr>
+            <a:r>
+              <a:rPr lang="en-AU" sz="2400" dirty="0" smtClean="0"/>
+              <a:t>Implement AI</a:t>
+            </a:r>
+          </a:p>
+          <a:p>
+            <a:pPr marL="285750" indent="-285750">
+              <a:buFont typeface="Arial" panose="020B0604020202020204" pitchFamily="34" charset="0"/>
+              <a:buChar char="•"/>
+            </a:pPr>
+            <a:r>
+              <a:rPr lang="en-AU" sz="2400" dirty="0" smtClean="0"/>
+              <a:t>Implement UI visuals</a:t>
+            </a:r>
+          </a:p>
+          <a:p>
+            <a:pPr marL="285750" indent="-285750">
+              <a:buFont typeface="Arial" panose="020B0604020202020204" pitchFamily="34" charset="0"/>
+              <a:buChar char="•"/>
+            </a:pPr>
+            <a:r>
+              <a:rPr lang="en-AU" sz="2400" dirty="0" smtClean="0"/>
+              <a:t>Create visual effects</a:t>
+            </a:r>
+          </a:p>
+          <a:p>
+            <a:pPr marL="285750" indent="-285750">
+              <a:buFont typeface="Arial" panose="020B0604020202020204" pitchFamily="34" charset="0"/>
+              <a:buChar char="•"/>
+            </a:pPr>
+            <a:r>
+              <a:rPr lang="en-AU" sz="2400" dirty="0" smtClean="0"/>
+              <a:t>Implement sound effects</a:t>
+            </a:r>
+          </a:p>
+          <a:p>
+            <a:pPr marL="285750" indent="-285750">
+              <a:buFont typeface="Arial" panose="020B0604020202020204" pitchFamily="34" charset="0"/>
+              <a:buChar char="•"/>
+            </a:pPr>
+            <a:r>
+              <a:rPr lang="en-AU" sz="2400" dirty="0" smtClean="0"/>
+              <a:t>Fine tune mechanics and systems</a:t>
+            </a:r>
+          </a:p>
+          <a:p>
+            <a:pPr marL="285750" indent="-285750">
+              <a:buFont typeface="Arial" panose="020B0604020202020204" pitchFamily="34" charset="0"/>
+              <a:buChar char="•"/>
+            </a:pPr>
+            <a:endParaRPr lang="en-AU" dirty="0" smtClean="0"/>
+          </a:p>
+          <a:p>
+            <a:pPr marL="285750" indent="-285750">
+              <a:buFont typeface="Arial" panose="020B0604020202020204" pitchFamily="34" charset="0"/>
+              <a:buChar char="•"/>
+            </a:pPr>
+            <a:endParaRPr lang="en-AU" dirty="0" smtClean="0"/>
+          </a:p>
+          <a:p>
+            <a:pPr marL="285750" indent="-285750">
+              <a:buFont typeface="Arial" panose="020B0604020202020204" pitchFamily="34" charset="0"/>
+              <a:buChar char="•"/>
+            </a:pPr>
+            <a:endParaRPr lang="en-AU" dirty="0"/>
+          </a:p>
+        </p:txBody>
+      </p:sp>
+    </p:spTree>
+    <p:extLst>
+      <p:ext uri="{BB962C8B-B14F-4D97-AF65-F5344CB8AC3E}">
+        <p14:creationId xmlns:p14="http://schemas.microsoft.com/office/powerpoint/2010/main" val="630837264"/>
+      </p:ext>
+    </p:extLst>
+  </p:cSld>
+  <p:clrMapOvr>
+    <a:masterClrMapping/>
+  </p:clrMapOvr>
 </p:sld>
 </file>
 

--- a/IGCC_TeamD.pptx
+++ b/IGCC_TeamD.pptx
@@ -5909,7 +5909,7 @@
           <a:graphicData uri="http://schemas.openxmlformats.org/presentationml/2006/ole">
             <mc:AlternateContent xmlns:mc="http://schemas.openxmlformats.org/markup-compatibility/2006">
               <mc:Choice xmlns:v="urn:schemas-microsoft-com:vml" Requires="v">
-                <p:oleObj spid="_x0000_s1032" name="Image" r:id="rId4" imgW="2501280" imgH="4063320" progId="Photoshop.Image.17">
+                <p:oleObj spid="_x0000_s1036" name="Image" r:id="rId4" imgW="2501280" imgH="4063320" progId="Photoshop.Image.17">
                   <p:embed/>
                 </p:oleObj>
               </mc:Choice>
@@ -5966,7 +5966,7 @@
           <a:graphicData uri="http://schemas.openxmlformats.org/presentationml/2006/ole">
             <mc:AlternateContent xmlns:mc="http://schemas.openxmlformats.org/markup-compatibility/2006">
               <mc:Choice xmlns:v="urn:schemas-microsoft-com:vml" Requires="v">
-                <p:oleObj spid="_x0000_s1033" name="Image" r:id="rId6" imgW="2501280" imgH="4063320" progId="Photoshop.Image.17">
+                <p:oleObj spid="_x0000_s1037" name="Image" r:id="rId6" imgW="2501280" imgH="4063320" progId="Photoshop.Image.17">
                   <p:embed/>
                 </p:oleObj>
               </mc:Choice>
@@ -6297,13 +6297,8 @@
             </a:r>
             <a:r>
               <a:rPr lang="en-US" altLang="ja-JP" dirty="0" smtClean="0"/>
-              <a:t>se of contrast and color</a:t>
-            </a:r>
-            <a:r>
-              <a:rPr lang="en-US" altLang="ja-JP" dirty="0" smtClean="0"/>
-              <a:t> </a:t>
-            </a:r>
-            <a:endParaRPr lang="en-US" altLang="ja-JP" dirty="0" smtClean="0"/>
+              <a:t>se of contrast and color </a:t>
+            </a:r>
           </a:p>
         </p:txBody>
       </p:sp>
@@ -6423,8 +6418,8 @@
         </p:nvSpPr>
         <p:spPr bwMode="auto">
           <a:xfrm>
-            <a:off x="8229599" y="2736924"/>
-            <a:ext cx="3962401" cy="1015663"/>
+            <a:off x="8148917" y="2736924"/>
+            <a:ext cx="4043083" cy="707886"/>
           </a:xfrm>
           <a:prstGeom prst="rect">
             <a:avLst/>
@@ -6491,13 +6486,7 @@
                 <a:effectLst/>
                 <a:latin typeface="Arial Unicode MS" panose="020B0604020202020204" pitchFamily="34" charset="-128"/>
               </a:rPr>
-              <a:t>シンプルなグラフィックスとシェイプ コントラストと</a:t>
-            </a:r>
-            <a:r>
-              <a:rPr kumimoji="0" lang="ja-JP" altLang="en-US" sz="2000" dirty="0">
-                <a:latin typeface="Arial Unicode MS" panose="020B0604020202020204" pitchFamily="34" charset="-128"/>
-              </a:rPr>
-              <a:t>強い</a:t>
+              <a:t>シンプルなグラフィックス</a:t>
             </a:r>
             <a:r>
               <a:rPr kumimoji="0" lang="ja-JP" sz="2000" b="0" i="0" u="none" strike="noStrike" cap="none" normalizeH="0" baseline="0" dirty="0" smtClean="0">
@@ -6510,7 +6499,111 @@
                 <a:effectLst/>
                 <a:latin typeface="Arial Unicode MS" panose="020B0604020202020204" pitchFamily="34" charset="-128"/>
               </a:rPr>
-              <a:t>色の使用</a:t>
+              <a:t>と</a:t>
+            </a:r>
+            <a:r>
+              <a:rPr kumimoji="0" lang="ja-JP" altLang="en-US" sz="2000" b="0" i="0" u="none" strike="noStrike" cap="none" normalizeH="0" baseline="0" dirty="0" smtClean="0">
+                <a:ln>
+                  <a:noFill/>
+                </a:ln>
+                <a:solidFill>
+                  <a:schemeClr val="tx1"/>
+                </a:solidFill>
+                <a:effectLst/>
+                <a:latin typeface="Arial Unicode MS" panose="020B0604020202020204" pitchFamily="34" charset="-128"/>
+              </a:rPr>
+              <a:t>形状</a:t>
+            </a:r>
+            <a:r>
+              <a:rPr kumimoji="0" lang="ja-JP" sz="2000" b="0" i="0" u="none" strike="noStrike" cap="none" normalizeH="0" baseline="0" dirty="0" smtClean="0">
+                <a:ln>
+                  <a:noFill/>
+                </a:ln>
+                <a:solidFill>
+                  <a:schemeClr val="tx1"/>
+                </a:solidFill>
+                <a:effectLst/>
+                <a:latin typeface="Arial Unicode MS" panose="020B0604020202020204" pitchFamily="34" charset="-128"/>
+              </a:rPr>
+              <a:t> </a:t>
+            </a:r>
+            <a:endParaRPr kumimoji="0" lang="en-US" altLang="ja-JP" sz="2000" b="0" i="0" u="none" strike="noStrike" cap="none" normalizeH="0" baseline="0" dirty="0" smtClean="0">
+              <a:ln>
+                <a:noFill/>
+              </a:ln>
+              <a:solidFill>
+                <a:schemeClr val="tx1"/>
+              </a:solidFill>
+              <a:effectLst/>
+              <a:latin typeface="Arial Unicode MS" panose="020B0604020202020204" pitchFamily="34" charset="-128"/>
+            </a:endParaRPr>
+          </a:p>
+          <a:p>
+            <a:pPr lvl="0" eaLnBrk="0" fontAlgn="base" hangingPunct="0">
+              <a:spcBef>
+                <a:spcPct val="0"/>
+              </a:spcBef>
+              <a:spcAft>
+                <a:spcPct val="0"/>
+              </a:spcAft>
+            </a:pPr>
+            <a:r>
+              <a:rPr kumimoji="0" lang="ja-JP" altLang="en-US" sz="2000" b="0" i="0" u="none" strike="noStrike" cap="none" normalizeH="0" baseline="0" dirty="0" smtClean="0">
+                <a:ln>
+                  <a:noFill/>
+                </a:ln>
+                <a:solidFill>
+                  <a:schemeClr val="tx1"/>
+                </a:solidFill>
+                <a:effectLst/>
+                <a:latin typeface="Arial Unicode MS" panose="020B0604020202020204" pitchFamily="34" charset="-128"/>
+              </a:rPr>
+              <a:t>に</a:t>
+            </a:r>
+            <a:r>
+              <a:rPr kumimoji="0" lang="ja-JP" sz="2000" b="0" i="0" u="none" strike="noStrike" cap="none" normalizeH="0" baseline="0" dirty="0" smtClean="0">
+                <a:ln>
+                  <a:noFill/>
+                </a:ln>
+                <a:solidFill>
+                  <a:schemeClr val="tx1"/>
+                </a:solidFill>
+                <a:effectLst/>
+                <a:latin typeface="Arial Unicode MS" panose="020B0604020202020204" pitchFamily="34" charset="-128"/>
+              </a:rPr>
+              <a:t>色</a:t>
+            </a:r>
+            <a:r>
+              <a:rPr kumimoji="0" lang="ja-JP" altLang="en-US" sz="2000" b="0" i="0" u="none" strike="noStrike" cap="none" normalizeH="0" baseline="0" dirty="0" smtClean="0">
+                <a:ln>
+                  <a:noFill/>
+                </a:ln>
+                <a:solidFill>
+                  <a:schemeClr val="tx1"/>
+                </a:solidFill>
+                <a:effectLst/>
+                <a:latin typeface="Arial Unicode MS" panose="020B0604020202020204" pitchFamily="34" charset="-128"/>
+              </a:rPr>
+              <a:t>同士</a:t>
+            </a:r>
+            <a:r>
+              <a:rPr kumimoji="0" lang="ja-JP" sz="2000" b="0" i="0" u="none" strike="noStrike" cap="none" normalizeH="0" baseline="0" dirty="0" smtClean="0">
+                <a:ln>
+                  <a:noFill/>
+                </a:ln>
+                <a:solidFill>
+                  <a:schemeClr val="tx1"/>
+                </a:solidFill>
+                <a:effectLst/>
+                <a:latin typeface="Arial Unicode MS" panose="020B0604020202020204" pitchFamily="34" charset="-128"/>
+              </a:rPr>
+              <a:t>の</a:t>
+            </a:r>
+            <a:r>
+              <a:rPr kumimoji="0" lang="ja-JP" altLang="en-US" sz="2000" dirty="0" smtClean="0">
+                <a:latin typeface="Arial Unicode MS" panose="020B0604020202020204" pitchFamily="34" charset="-128"/>
+              </a:rPr>
+              <a:t>強い対比を使用</a:t>
             </a:r>
             <a:endParaRPr kumimoji="0" lang="ja-JP" sz="2000" b="0" i="0" u="none" strike="noStrike" cap="none" normalizeH="0" baseline="0" dirty="0" smtClean="0">
               <a:ln>
@@ -6740,7 +6833,7 @@
         </p:nvSpPr>
         <p:spPr>
           <a:xfrm>
-            <a:off x="1405721" y="2552131"/>
+            <a:off x="909332" y="2543423"/>
             <a:ext cx="5431809" cy="3139321"/>
           </a:xfrm>
           <a:prstGeom prst="rect">
@@ -6833,6 +6926,170 @@
               <a:buChar char="•"/>
             </a:pPr>
             <a:endParaRPr lang="en-AU" dirty="0"/>
+          </a:p>
+        </p:txBody>
+      </p:sp>
+      <p:sp>
+        <p:nvSpPr>
+          <p:cNvPr id="2" name="正方形/長方形 1"/>
+          <p:cNvSpPr/>
+          <p:nvPr/>
+        </p:nvSpPr>
+        <p:spPr>
+          <a:xfrm>
+            <a:off x="6240560" y="2543423"/>
+            <a:ext cx="5109091" cy="2308324"/>
+          </a:xfrm>
+          <a:prstGeom prst="rect">
+            <a:avLst/>
+          </a:prstGeom>
+        </p:spPr>
+        <p:txBody>
+          <a:bodyPr wrap="none">
+            <a:spAutoFit/>
+          </a:bodyPr>
+          <a:lstStyle/>
+          <a:p>
+            <a:r>
+              <a:rPr lang="ja-JP" altLang="en-US" sz="2400" dirty="0" smtClean="0">
+                <a:solidFill>
+                  <a:srgbClr val="000000"/>
+                </a:solidFill>
+              </a:rPr>
+              <a:t>・</a:t>
+            </a:r>
+            <a:r>
+              <a:rPr lang="ja-JP" altLang="ja-JP" sz="2400" dirty="0" smtClean="0">
+                <a:solidFill>
+                  <a:srgbClr val="000000"/>
+                </a:solidFill>
+              </a:rPr>
+              <a:t>一貫</a:t>
+            </a:r>
+            <a:r>
+              <a:rPr lang="ja-JP" altLang="ja-JP" sz="2400" dirty="0">
+                <a:solidFill>
+                  <a:srgbClr val="000000"/>
+                </a:solidFill>
+              </a:rPr>
+              <a:t>したプロジェクトを作成</a:t>
+            </a:r>
+            <a:r>
+              <a:rPr lang="ja-JP" altLang="ja-JP" sz="2400" dirty="0" smtClean="0">
+                <a:solidFill>
+                  <a:srgbClr val="000000"/>
+                </a:solidFill>
+              </a:rPr>
+              <a:t>する</a:t>
+            </a:r>
+            <a:endParaRPr lang="en-US" altLang="ja-JP" sz="2400" dirty="0" smtClean="0">
+              <a:solidFill>
+                <a:srgbClr val="000000"/>
+              </a:solidFill>
+            </a:endParaRPr>
+          </a:p>
+          <a:p>
+            <a:r>
+              <a:rPr lang="ja-JP" altLang="en-US" sz="2400" dirty="0" smtClean="0">
+                <a:solidFill>
+                  <a:srgbClr val="000000"/>
+                </a:solidFill>
+              </a:rPr>
+              <a:t>・敵の</a:t>
+            </a:r>
+            <a:r>
+              <a:rPr lang="en-US" altLang="ja-JP" sz="2400" dirty="0" smtClean="0">
+                <a:solidFill>
+                  <a:srgbClr val="000000"/>
+                </a:solidFill>
+              </a:rPr>
+              <a:t>AI</a:t>
+            </a:r>
+            <a:r>
+              <a:rPr lang="ja-JP" altLang="en-US" sz="2400" dirty="0" smtClean="0">
+                <a:solidFill>
+                  <a:srgbClr val="000000"/>
+                </a:solidFill>
+              </a:rPr>
+              <a:t>を実装</a:t>
+            </a:r>
+            <a:endParaRPr lang="en-US" altLang="ja-JP" sz="2400" dirty="0" smtClean="0">
+              <a:solidFill>
+                <a:srgbClr val="000000"/>
+              </a:solidFill>
+            </a:endParaRPr>
+          </a:p>
+          <a:p>
+            <a:r>
+              <a:rPr lang="ja-JP" altLang="en-US" sz="2400" dirty="0" smtClean="0">
+                <a:solidFill>
+                  <a:srgbClr val="000000"/>
+                </a:solidFill>
+              </a:rPr>
+              <a:t>・</a:t>
+            </a:r>
+            <a:r>
+              <a:rPr lang="en-US" altLang="ja-JP" sz="2400" dirty="0" smtClean="0">
+                <a:solidFill>
+                  <a:srgbClr val="000000"/>
+                </a:solidFill>
+              </a:rPr>
+              <a:t>UI</a:t>
+            </a:r>
+            <a:r>
+              <a:rPr lang="ja-JP" altLang="en-US" sz="2400" dirty="0" smtClean="0">
+                <a:solidFill>
+                  <a:srgbClr val="000000"/>
+                </a:solidFill>
+              </a:rPr>
+              <a:t>ヴィジュアルの実装</a:t>
+            </a:r>
+            <a:endParaRPr lang="en-US" altLang="ja-JP" sz="2400" dirty="0" smtClean="0">
+              <a:solidFill>
+                <a:srgbClr val="000000"/>
+              </a:solidFill>
+            </a:endParaRPr>
+          </a:p>
+          <a:p>
+            <a:r>
+              <a:rPr lang="ja-JP" altLang="en-US" sz="2400" dirty="0" smtClean="0">
+                <a:solidFill>
+                  <a:srgbClr val="000000"/>
+                </a:solidFill>
+              </a:rPr>
+              <a:t>・エフェクトの作成</a:t>
+            </a:r>
+            <a:endParaRPr lang="en-US" altLang="ja-JP" sz="2400" dirty="0" smtClean="0">
+              <a:solidFill>
+                <a:srgbClr val="000000"/>
+              </a:solidFill>
+            </a:endParaRPr>
+          </a:p>
+          <a:p>
+            <a:r>
+              <a:rPr lang="ja-JP" altLang="en-US" sz="2400" dirty="0" smtClean="0">
+                <a:solidFill>
+                  <a:srgbClr val="000000"/>
+                </a:solidFill>
+              </a:rPr>
+              <a:t>・サウンドの作成</a:t>
+            </a:r>
+            <a:endParaRPr lang="en-US" altLang="ja-JP" sz="2400" dirty="0" smtClean="0">
+              <a:solidFill>
+                <a:srgbClr val="000000"/>
+              </a:solidFill>
+            </a:endParaRPr>
+          </a:p>
+          <a:p>
+            <a:r>
+              <a:rPr lang="ja-JP" altLang="en-US" sz="2400" dirty="0" smtClean="0"/>
+              <a:t>・</a:t>
+            </a:r>
+            <a:r>
+              <a:rPr lang="ja-JP" altLang="ja-JP" sz="2400" dirty="0"/>
+              <a:t>メカニックスとシステムの微調整</a:t>
+            </a:r>
+            <a:endParaRPr lang="ja-JP" altLang="en-US" sz="2400" dirty="0"/>
           </a:p>
         </p:txBody>
       </p:sp>
@@ -6846,6 +7103,13 @@
   <p:clrMapOvr>
     <a:masterClrMapping/>
   </p:clrMapOvr>
+  <p:timing>
+    <p:tnLst>
+      <p:par>
+        <p:cTn id="1" dur="indefinite" restart="never" nodeType="tmRoot"/>
+      </p:par>
+    </p:tnLst>
+  </p:timing>
 </p:sld>
 </file>
 
